--- a/XII class/DB - Module 3/03. СУБД/Системи за управление на бази от данни.pptx
+++ b/XII class/DB - Module 3/03. СУБД/Системи за управление на бази от данни.pptx
@@ -727,7 +727,7 @@
           <a:p>
             <a:fld id="{91F9259A-1FE3-4FF9-8A07-BDD8177164ED}" type="datetime4">
               <a:rPr lang="en-US" smtClean="0"/>
-              <a:t>September 24, 2024</a:t>
+              <a:t>September 25, 2024</a:t>
             </a:fld>
             <a:endParaRPr lang="en-US"/>
           </a:p>
@@ -902,7 +902,7 @@
           <a:p>
             <a:fld id="{E5CC3C8F-D4A7-4EAD-92AD-82C91CB8BB85}" type="datetime4">
               <a:rPr lang="en-US" smtClean="0"/>
-              <a:t>September 24, 2024</a:t>
+              <a:t>September 25, 2024</a:t>
             </a:fld>
             <a:endParaRPr lang="en-US"/>
           </a:p>
@@ -1139,7 +1139,7 @@
           <a:p>
             <a:fld id="{BC011D41-E33C-4BC7-8272-37E8417FD097}" type="datetime4">
               <a:rPr lang="en-US" smtClean="0"/>
-              <a:t>September 24, 2024</a:t>
+              <a:t>September 25, 2024</a:t>
             </a:fld>
             <a:endParaRPr lang="en-US"/>
           </a:p>
@@ -1344,7 +1344,7 @@
           <a:p>
             <a:fld id="{5D340FED-6E95-4177-A7EF-CD303B9E611D}" type="datetime4">
               <a:rPr lang="en-US" smtClean="0"/>
-              <a:t>September 24, 2024</a:t>
+              <a:t>September 25, 2024</a:t>
             </a:fld>
             <a:endParaRPr lang="en-US"/>
           </a:p>
@@ -1634,7 +1634,7 @@
           <a:p>
             <a:fld id="{477962CB-39AD-45A9-800F-54DAB53D6021}" type="datetime4">
               <a:rPr lang="en-US" smtClean="0"/>
-              <a:t>September 24, 2024</a:t>
+              <a:t>September 25, 2024</a:t>
             </a:fld>
             <a:endParaRPr lang="en-US"/>
           </a:p>
@@ -1918,7 +1918,7 @@
           <a:p>
             <a:fld id="{2DEDF93D-55AB-4606-B9D7-742F1FC51983}" type="datetime4">
               <a:rPr lang="en-US" smtClean="0"/>
-              <a:t>September 24, 2024</a:t>
+              <a:t>September 25, 2024</a:t>
             </a:fld>
             <a:endParaRPr lang="en-US" dirty="0"/>
           </a:p>
@@ -2335,7 +2335,7 @@
           <a:p>
             <a:fld id="{DDF2841D-FB5C-47AB-B2FF-32E855C1EA71}" type="datetime4">
               <a:rPr lang="en-US" smtClean="0"/>
-              <a:t>September 24, 2024</a:t>
+              <a:t>September 25, 2024</a:t>
             </a:fld>
             <a:endParaRPr lang="en-US"/>
           </a:p>
@@ -2476,7 +2476,7 @@
           <a:p>
             <a:fld id="{118537E9-D174-424D-BEE8-AFC4CA5F9F97}" type="datetime4">
               <a:rPr lang="en-US" smtClean="0"/>
-              <a:t>September 24, 2024</a:t>
+              <a:t>September 25, 2024</a:t>
             </a:fld>
             <a:endParaRPr lang="en-US"/>
           </a:p>
@@ -2617,7 +2617,7 @@
           <a:p>
             <a:fld id="{1C7A44C0-F7AC-49C2-8289-1E7A86D9FB50}" type="datetime4">
               <a:rPr lang="en-US" smtClean="0"/>
-              <a:t>September 24, 2024</a:t>
+              <a:t>September 25, 2024</a:t>
             </a:fld>
             <a:endParaRPr lang="en-US"/>
           </a:p>
@@ -2932,7 +2932,7 @@
           <a:p>
             <a:fld id="{73BB84BC-6E78-40D1-8831-40AB1F596614}" type="datetime4">
               <a:rPr lang="en-US" smtClean="0"/>
-              <a:t>September 24, 2024</a:t>
+              <a:t>September 25, 2024</a:t>
             </a:fld>
             <a:endParaRPr lang="en-US"/>
           </a:p>
@@ -3225,7 +3225,7 @@
           <a:p>
             <a:fld id="{ADFA080F-3961-4D42-BEDE-84A1FED032F1}" type="datetime4">
               <a:rPr lang="en-US" smtClean="0"/>
-              <a:t>September 24, 2024</a:t>
+              <a:t>September 25, 2024</a:t>
             </a:fld>
             <a:endParaRPr lang="en-US"/>
           </a:p>
@@ -3507,7 +3507,7 @@
             <a:fld id="{A33960BD-7AC1-4217-9611-AAA56D3EE38F}" type="datetime4">
               <a:rPr lang="en-US" smtClean="0"/>
               <a:pPr/>
-              <a:t>September 24, 2024</a:t>
+              <a:t>September 25, 2024</a:t>
             </a:fld>
             <a:endParaRPr lang="en-US" dirty="0">
               <a:latin typeface="+mn-lt"/>
@@ -6075,7 +6075,23 @@
                   <a:schemeClr val="tx1"/>
                 </a:solidFill>
               </a:rPr>
-              <a:t> е специализиран за опбработка на разпределени заявки. Той поддържа всички базови функционалности на СУБД, клиентски заявки, обработват ги и връщат резултат към клиентите. На един компютър може да има няколко инстанции на сървър от бази от данни и на всеки сървър може да има различни бази от данни. Клиентите са компютърни системи, които изпращат заявки към сървъра и получават резултатите от обработените заявки. Те са на различни физически машини и комуникират със сървара посредством мрежова връзка.</a:t>
+              <a:t> е специализиран </a:t>
+            </a:r>
+            <a:r>
+              <a:rPr lang="bg-BG">
+                <a:solidFill>
+                  <a:schemeClr val="tx1"/>
+                </a:solidFill>
+              </a:rPr>
+              <a:t>за обработка </a:t>
+            </a:r>
+            <a:r>
+              <a:rPr lang="bg-BG" dirty="0">
+                <a:solidFill>
+                  <a:schemeClr val="tx1"/>
+                </a:solidFill>
+              </a:rPr>
+              <a:t>на разпределени заявки. Той поддържа всички базови функционалности на СУБД, клиентски заявки, обработват ги и връщат резултат към клиентите. На един компютър може да има няколко инстанции на сървър от бази от данни и на всеки сървър може да има различни бази от данни. Клиентите са компютърни системи, които изпращат заявки към сървъра и получават резултатите от обработените заявки. Те са на различни физически машини и комуникират със сървара посредством мрежова връзка.</a:t>
             </a:r>
           </a:p>
           <a:p>
@@ -6093,15 +6109,7 @@
                   <a:schemeClr val="tx1"/>
                 </a:solidFill>
               </a:rPr>
-              <a:t> – специализиран за управление на файловете. Осигурява функционалности за съхранение, достъп и управление на файлове от различни клиенти или потребители. </a:t>
-            </a:r>
-            <a:r>
-              <a:rPr lang="bg-BG">
-                <a:solidFill>
-                  <a:schemeClr val="tx1"/>
-                </a:solidFill>
-              </a:rPr>
-              <a:t>СУБД използват файловите сървъри за съхранение на архиви на бази от данни, както и за съхранение на други файлове – мултимедийни файлове, изображения, музика и видео.</a:t>
+              <a:t> – специализиран за управление на файловете. Осигурява функционалности за съхранение, достъп и управление на файлове от различни клиенти или потребители. СУБД използват файловите сървъри за съхранение на архиви на бази от данни, както и за съхранение на други файлове – мултимедийни файлове, изображения, музика и видео.</a:t>
             </a:r>
             <a:endParaRPr lang="en-GB" b="1" dirty="0">
               <a:solidFill>
@@ -10332,7 +10340,7 @@
             </a:r>
             <a:r>
               <a:rPr lang="bg-BG" dirty="0"/>
-              <a:t> – колекциа от логически свързани данни , структурирани по определен начин, която позволява </a:t>
+              <a:t> – колекция от логически свързани данни , структурирани по определен начин, която позволява </a:t>
             </a:r>
             <a:r>
               <a:rPr lang="bg-BG" i="1" dirty="0"/>
@@ -11064,7 +11072,7 @@
             </a:pPr>
             <a:r>
               <a:rPr lang="bg-BG" dirty="0"/>
-              <a:t>Управлението на данните в една база от данни се оосъществява от </a:t>
+              <a:t>Управлението на данните в една база от данни се осъществява от </a:t>
             </a:r>
             <a:r>
               <a:rPr lang="bg-BG" b="1" dirty="0"/>
